--- a/files/teaching-resources/monmouthcollege-econ-300/ECON300-LEC25.pptx
+++ b/files/teaching-resources/monmouthcollege-econ-300/ECON300-LEC25.pptx
@@ -226,7 +226,7 @@
           <a:p>
             <a:fld id="{0E0A6441-4E79-42FF-805B-86C90BDFD38D}" type="datetimeFigureOut">
               <a:rPr lang="en-US" smtClean="0"/>
-              <a:t>11/23/2023</a:t>
+              <a:t>11/29/2023</a:t>
             </a:fld>
             <a:endParaRPr lang="en-US" dirty="0"/>
           </a:p>
@@ -5403,8 +5403,8 @@
           </a:p>
         </p:txBody>
       </p:sp>
-      <mc:AlternateContent xmlns:mc="http://schemas.openxmlformats.org/markup-compatibility/2006">
-        <mc:Choice xmlns:a14="http://schemas.microsoft.com/office/drawing/2010/main" Requires="a14">
+      <mc:AlternateContent xmlns:mc="http://schemas.openxmlformats.org/markup-compatibility/2006" xmlns:a14="http://schemas.microsoft.com/office/drawing/2010/main">
+        <mc:Choice Requires="a14">
           <p:sp>
             <p:nvSpPr>
               <p:cNvPr id="3" name="Content Placeholder 2">
@@ -5922,7 +5922,7 @@
             </p:txBody>
           </p:sp>
         </mc:Choice>
-        <mc:Fallback>
+        <mc:Fallback xmlns="">
           <p:sp>
             <p:nvSpPr>
               <p:cNvPr id="3" name="Content Placeholder 2">
@@ -6906,7 +6906,7 @@
                       <m:sSubSup>
                         <m:sSubSupPr>
                           <m:ctrlPr>
-                            <a:rPr lang="en-US" b="0" i="0" smtClean="0">
+                            <a:rPr lang="en-US" b="0" i="1" smtClean="0">
                               <a:latin typeface="Cambria Math" panose="02040503050406030204" pitchFamily="18" charset="0"/>
                             </a:rPr>
                           </m:ctrlPr>
@@ -6986,13 +6986,7 @@
                         <a:rPr lang="en-US" b="0" i="1" smtClean="0">
                           <a:latin typeface="Cambria Math" panose="02040503050406030204" pitchFamily="18" charset="0"/>
                         </a:rPr>
-                        <m:t>⋅10+⋯</m:t>
-                      </m:r>
-                      <m:r>
-                        <a:rPr lang="en-US" b="0" i="1" smtClean="0">
-                          <a:latin typeface="Cambria Math" panose="02040503050406030204" pitchFamily="18" charset="0"/>
-                        </a:rPr>
-                        <m:t>=</m:t>
+                        <m:t>⋅10+⋯=</m:t>
                       </m:r>
                       <m:f>
                         <m:fPr>
@@ -7124,7 +7118,7 @@
                         <a:rPr lang="en-US" i="1">
                           <a:latin typeface="Cambria Math" panose="02040503050406030204" pitchFamily="18" charset="0"/>
                         </a:rPr>
-                        <m:t>⋅1+</m:t>
+                        <m:t>⋅5+</m:t>
                       </m:r>
                       <m:sSup>
                         <m:sSupPr>
@@ -7161,7 +7155,7 @@
                         <a:rPr lang="en-US" b="0" i="1" smtClean="0">
                           <a:latin typeface="Cambria Math" panose="02040503050406030204" pitchFamily="18" charset="0"/>
                         </a:rPr>
-                        <m:t>1</m:t>
+                        <m:t>5</m:t>
                       </m:r>
                       <m:r>
                         <a:rPr lang="en-US" i="1">
@@ -7184,6 +7178,12 @@
                           </m:ctrlPr>
                         </m:fPr>
                         <m:num>
+                          <m:r>
+                            <a:rPr lang="en-US" b="0" i="1" smtClean="0">
+                              <a:latin typeface="Cambria Math" panose="02040503050406030204" pitchFamily="18" charset="0"/>
+                            </a:rPr>
+                            <m:t>5</m:t>
+                          </m:r>
                           <m:r>
                             <a:rPr lang="en-US" b="0" i="1" smtClean="0">
                               <a:latin typeface="Cambria Math" panose="02040503050406030204" pitchFamily="18" charset="0"/>
@@ -7432,15 +7432,33 @@
                                   </p:childTnLst>
                                 </p:cTn>
                               </p:par>
+                            </p:childTnLst>
+                          </p:cTn>
+                        </p:par>
+                      </p:childTnLst>
+                    </p:cTn>
+                  </p:par>
+                  <p:par>
+                    <p:cTn id="8" fill="hold">
+                      <p:stCondLst>
+                        <p:cond delay="indefinite"/>
+                      </p:stCondLst>
+                      <p:childTnLst>
+                        <p:par>
+                          <p:cTn id="9" fill="hold">
+                            <p:stCondLst>
+                              <p:cond delay="0"/>
+                            </p:stCondLst>
+                            <p:childTnLst>
                               <p:par>
-                                <p:cTn id="8" presetID="10" presetClass="entr" presetSubtype="0" fill="hold" nodeType="withEffect">
+                                <p:cTn id="10" presetID="10" presetClass="entr" presetSubtype="0" fill="hold" nodeType="clickEffect">
                                   <p:stCondLst>
                                     <p:cond delay="0"/>
                                   </p:stCondLst>
                                   <p:childTnLst>
                                     <p:set>
                                       <p:cBhvr>
-                                        <p:cTn id="9" dur="1" fill="hold">
+                                        <p:cTn id="11" dur="1" fill="hold">
                                           <p:stCondLst>
                                             <p:cond delay="0"/>
                                           </p:stCondLst>
@@ -7462,7 +7480,7 @@
                                     </p:set>
                                     <p:animEffect transition="in" filter="fade">
                                       <p:cBhvr>
-                                        <p:cTn id="10" dur="500"/>
+                                        <p:cTn id="12" dur="500"/>
                                         <p:tgtEl>
                                           <p:spTgt spid="3">
                                             <p:txEl>
@@ -7482,26 +7500,26 @@
                     </p:cTn>
                   </p:par>
                   <p:par>
-                    <p:cTn id="11" fill="hold">
+                    <p:cTn id="13" fill="hold">
                       <p:stCondLst>
                         <p:cond delay="indefinite"/>
                       </p:stCondLst>
                       <p:childTnLst>
                         <p:par>
-                          <p:cTn id="12" fill="hold">
+                          <p:cTn id="14" fill="hold">
                             <p:stCondLst>
                               <p:cond delay="0"/>
                             </p:stCondLst>
                             <p:childTnLst>
                               <p:par>
-                                <p:cTn id="13" presetID="10" presetClass="entr" presetSubtype="0" fill="hold" nodeType="clickEffect">
+                                <p:cTn id="15" presetID="10" presetClass="entr" presetSubtype="0" fill="hold" nodeType="clickEffect">
                                   <p:stCondLst>
                                     <p:cond delay="0"/>
                                   </p:stCondLst>
                                   <p:childTnLst>
                                     <p:set>
                                       <p:cBhvr>
-                                        <p:cTn id="14" dur="1" fill="hold">
+                                        <p:cTn id="16" dur="1" fill="hold">
                                           <p:stCondLst>
                                             <p:cond delay="0"/>
                                           </p:stCondLst>
@@ -7523,7 +7541,7 @@
                                     </p:set>
                                     <p:animEffect transition="in" filter="fade">
                                       <p:cBhvr>
-                                        <p:cTn id="15" dur="500"/>
+                                        <p:cTn id="17" dur="500"/>
                                         <p:tgtEl>
                                           <p:spTgt spid="3">
                                             <p:txEl>
@@ -7536,15 +7554,33 @@
                                   </p:childTnLst>
                                 </p:cTn>
                               </p:par>
+                            </p:childTnLst>
+                          </p:cTn>
+                        </p:par>
+                      </p:childTnLst>
+                    </p:cTn>
+                  </p:par>
+                  <p:par>
+                    <p:cTn id="18" fill="hold">
+                      <p:stCondLst>
+                        <p:cond delay="indefinite"/>
+                      </p:stCondLst>
+                      <p:childTnLst>
+                        <p:par>
+                          <p:cTn id="19" fill="hold">
+                            <p:stCondLst>
+                              <p:cond delay="0"/>
+                            </p:stCondLst>
+                            <p:childTnLst>
                               <p:par>
-                                <p:cTn id="16" presetID="10" presetClass="entr" presetSubtype="0" fill="hold" nodeType="withEffect">
+                                <p:cTn id="20" presetID="10" presetClass="entr" presetSubtype="0" fill="hold" nodeType="clickEffect">
                                   <p:stCondLst>
                                     <p:cond delay="0"/>
                                   </p:stCondLst>
                                   <p:childTnLst>
                                     <p:set>
                                       <p:cBhvr>
-                                        <p:cTn id="17" dur="1" fill="hold">
+                                        <p:cTn id="21" dur="1" fill="hold">
                                           <p:stCondLst>
                                             <p:cond delay="0"/>
                                           </p:stCondLst>
@@ -7566,7 +7602,7 @@
                                     </p:set>
                                     <p:animEffect transition="in" filter="fade">
                                       <p:cBhvr>
-                                        <p:cTn id="18" dur="500"/>
+                                        <p:cTn id="22" dur="500"/>
                                         <p:tgtEl>
                                           <p:spTgt spid="3">
                                             <p:txEl>
@@ -7795,7 +7831,13 @@
                                 <a:rPr lang="en-US" b="0" i="1" smtClean="0">
                                   <a:latin typeface="Cambria Math" panose="02040503050406030204" pitchFamily="18" charset="0"/>
                                 </a:rPr>
-                                <m:t>0.8</m:t>
+                                <m:t>0.</m:t>
+                              </m:r>
+                              <m:r>
+                                <a:rPr lang="en-US" b="0" i="1" smtClean="0">
+                                  <a:latin typeface="Cambria Math" panose="02040503050406030204" pitchFamily="18" charset="0"/>
+                                </a:rPr>
+                                <m:t>8</m:t>
                               </m:r>
                             </m:e>
                           </m:d>
@@ -7868,13 +7910,7 @@
                         <a:rPr lang="en-US" i="1">
                           <a:latin typeface="Cambria Math" panose="02040503050406030204" pitchFamily="18" charset="0"/>
                         </a:rPr>
-                        <m:t>=</m:t>
-                      </m:r>
-                      <m:r>
-                        <a:rPr lang="en-US" i="1">
-                          <a:latin typeface="Cambria Math" panose="02040503050406030204" pitchFamily="18" charset="0"/>
-                        </a:rPr>
-                        <m:t>20+</m:t>
+                        <m:t>=20+</m:t>
                       </m:r>
                       <m:f>
                         <m:fPr>
@@ -7889,7 +7925,25 @@
                             <a:rPr lang="en-US" b="0" i="1" smtClean="0">
                               <a:latin typeface="Cambria Math" panose="02040503050406030204" pitchFamily="18" charset="0"/>
                             </a:rPr>
-                            <m:t>0.8</m:t>
+                            <m:t>5</m:t>
+                          </m:r>
+                          <m:r>
+                            <a:rPr lang="en-US" b="0" i="1" smtClean="0">
+                              <a:latin typeface="Cambria Math" panose="02040503050406030204" pitchFamily="18" charset="0"/>
+                            </a:rPr>
+                            <m:t>⋅</m:t>
+                          </m:r>
+                          <m:r>
+                            <a:rPr lang="en-US" b="0" i="1" smtClean="0">
+                              <a:latin typeface="Cambria Math" panose="02040503050406030204" pitchFamily="18" charset="0"/>
+                            </a:rPr>
+                            <m:t>0.</m:t>
+                          </m:r>
+                          <m:r>
+                            <a:rPr lang="en-US" b="0" i="1" smtClean="0">
+                              <a:latin typeface="Cambria Math" panose="02040503050406030204" pitchFamily="18" charset="0"/>
+                            </a:rPr>
+                            <m:t>8</m:t>
                           </m:r>
                         </m:num>
                         <m:den>
@@ -7912,7 +7966,13 @@
                                 <a:rPr lang="en-US" b="0" i="1" smtClean="0">
                                   <a:latin typeface="Cambria Math" panose="02040503050406030204" pitchFamily="18" charset="0"/>
                                 </a:rPr>
-                                <m:t>0.8</m:t>
+                                <m:t>0.</m:t>
+                              </m:r>
+                              <m:r>
+                                <a:rPr lang="en-US" b="0" i="1" smtClean="0">
+                                  <a:latin typeface="Cambria Math" panose="02040503050406030204" pitchFamily="18" charset="0"/>
+                                </a:rPr>
+                                <m:t>8</m:t>
                               </m:r>
                             </m:e>
                           </m:d>
@@ -7922,7 +7982,13 @@
                         <a:rPr lang="en-US" b="0" i="1" smtClean="0">
                           <a:latin typeface="Cambria Math" panose="02040503050406030204" pitchFamily="18" charset="0"/>
                         </a:rPr>
-                        <m:t>=24</m:t>
+                        <m:t>=</m:t>
+                      </m:r>
+                      <m:r>
+                        <a:rPr lang="en-US" b="0" i="1" smtClean="0">
+                          <a:latin typeface="Cambria Math" panose="02040503050406030204" pitchFamily="18" charset="0"/>
+                        </a:rPr>
+                        <m:t>40</m:t>
                       </m:r>
                     </m:oMath>
                   </m:oMathPara>
@@ -7980,7 +8046,7 @@
               <a:blipFill>
                 <a:blip r:embed="rId2"/>
                 <a:stretch>
-                  <a:fillRect l="-995" t="-2661" b="-2661"/>
+                  <a:fillRect l="-995" t="-2661" b="-2801"/>
                 </a:stretch>
               </a:blipFill>
             </p:spPr>
@@ -8159,15 +8225,33 @@
                                   </p:childTnLst>
                                 </p:cTn>
                               </p:par>
+                            </p:childTnLst>
+                          </p:cTn>
+                        </p:par>
+                      </p:childTnLst>
+                    </p:cTn>
+                  </p:par>
+                  <p:par>
+                    <p:cTn id="8" fill="hold">
+                      <p:stCondLst>
+                        <p:cond delay="indefinite"/>
+                      </p:stCondLst>
+                      <p:childTnLst>
+                        <p:par>
+                          <p:cTn id="9" fill="hold">
+                            <p:stCondLst>
+                              <p:cond delay="0"/>
+                            </p:stCondLst>
+                            <p:childTnLst>
                               <p:par>
-                                <p:cTn id="8" presetID="10" presetClass="entr" presetSubtype="0" fill="hold" nodeType="withEffect">
+                                <p:cTn id="10" presetID="10" presetClass="entr" presetSubtype="0" fill="hold" nodeType="clickEffect">
                                   <p:stCondLst>
                                     <p:cond delay="0"/>
                                   </p:stCondLst>
                                   <p:childTnLst>
                                     <p:set>
                                       <p:cBhvr>
-                                        <p:cTn id="9" dur="1" fill="hold">
+                                        <p:cTn id="11" dur="1" fill="hold">
                                           <p:stCondLst>
                                             <p:cond delay="0"/>
                                           </p:stCondLst>
@@ -8189,7 +8273,7 @@
                                     </p:set>
                                     <p:animEffect transition="in" filter="fade">
                                       <p:cBhvr>
-                                        <p:cTn id="10" dur="500"/>
+                                        <p:cTn id="12" dur="500"/>
                                         <p:tgtEl>
                                           <p:spTgt spid="3">
                                             <p:txEl>
@@ -8202,15 +8286,33 @@
                                   </p:childTnLst>
                                 </p:cTn>
                               </p:par>
+                            </p:childTnLst>
+                          </p:cTn>
+                        </p:par>
+                      </p:childTnLst>
+                    </p:cTn>
+                  </p:par>
+                  <p:par>
+                    <p:cTn id="13" fill="hold">
+                      <p:stCondLst>
+                        <p:cond delay="indefinite"/>
+                      </p:stCondLst>
+                      <p:childTnLst>
+                        <p:par>
+                          <p:cTn id="14" fill="hold">
+                            <p:stCondLst>
+                              <p:cond delay="0"/>
+                            </p:stCondLst>
+                            <p:childTnLst>
                               <p:par>
-                                <p:cTn id="11" presetID="10" presetClass="entr" presetSubtype="0" fill="hold" nodeType="withEffect">
+                                <p:cTn id="15" presetID="10" presetClass="entr" presetSubtype="0" fill="hold" nodeType="clickEffect">
                                   <p:stCondLst>
                                     <p:cond delay="0"/>
                                   </p:stCondLst>
                                   <p:childTnLst>
                                     <p:set>
                                       <p:cBhvr>
-                                        <p:cTn id="12" dur="1" fill="hold">
+                                        <p:cTn id="16" dur="1" fill="hold">
                                           <p:stCondLst>
                                             <p:cond delay="0"/>
                                           </p:stCondLst>
@@ -8232,7 +8334,7 @@
                                     </p:set>
                                     <p:animEffect transition="in" filter="fade">
                                       <p:cBhvr>
-                                        <p:cTn id="13" dur="500"/>
+                                        <p:cTn id="17" dur="500"/>
                                         <p:tgtEl>
                                           <p:spTgt spid="3">
                                             <p:txEl>
@@ -8252,26 +8354,26 @@
                     </p:cTn>
                   </p:par>
                   <p:par>
-                    <p:cTn id="14" fill="hold">
+                    <p:cTn id="18" fill="hold">
                       <p:stCondLst>
                         <p:cond delay="indefinite"/>
                       </p:stCondLst>
                       <p:childTnLst>
                         <p:par>
-                          <p:cTn id="15" fill="hold">
+                          <p:cTn id="19" fill="hold">
                             <p:stCondLst>
                               <p:cond delay="0"/>
                             </p:stCondLst>
                             <p:childTnLst>
                               <p:par>
-                                <p:cTn id="16" presetID="10" presetClass="entr" presetSubtype="0" fill="hold" nodeType="clickEffect">
+                                <p:cTn id="20" presetID="10" presetClass="entr" presetSubtype="0" fill="hold" nodeType="clickEffect">
                                   <p:stCondLst>
                                     <p:cond delay="0"/>
                                   </p:stCondLst>
                                   <p:childTnLst>
                                     <p:set>
                                       <p:cBhvr>
-                                        <p:cTn id="17" dur="1" fill="hold">
+                                        <p:cTn id="21" dur="1" fill="hold">
                                           <p:stCondLst>
                                             <p:cond delay="0"/>
                                           </p:stCondLst>
@@ -8293,7 +8395,7 @@
                                     </p:set>
                                     <p:animEffect transition="in" filter="fade">
                                       <p:cBhvr>
-                                        <p:cTn id="18" dur="500"/>
+                                        <p:cTn id="22" dur="500"/>
                                         <p:tgtEl>
                                           <p:spTgt spid="3">
                                             <p:txEl>
@@ -8313,26 +8415,26 @@
                     </p:cTn>
                   </p:par>
                   <p:par>
-                    <p:cTn id="19" fill="hold">
+                    <p:cTn id="23" fill="hold">
                       <p:stCondLst>
                         <p:cond delay="indefinite"/>
                       </p:stCondLst>
                       <p:childTnLst>
                         <p:par>
-                          <p:cTn id="20" fill="hold">
+                          <p:cTn id="24" fill="hold">
                             <p:stCondLst>
                               <p:cond delay="0"/>
                             </p:stCondLst>
                             <p:childTnLst>
                               <p:par>
-                                <p:cTn id="21" presetID="10" presetClass="entr" presetSubtype="0" fill="hold" nodeType="clickEffect">
+                                <p:cTn id="25" presetID="10" presetClass="entr" presetSubtype="0" fill="hold" nodeType="clickEffect">
                                   <p:stCondLst>
                                     <p:cond delay="0"/>
                                   </p:stCondLst>
                                   <p:childTnLst>
                                     <p:set>
                                       <p:cBhvr>
-                                        <p:cTn id="22" dur="1" fill="hold">
+                                        <p:cTn id="26" dur="1" fill="hold">
                                           <p:stCondLst>
                                             <p:cond delay="0"/>
                                           </p:stCondLst>
@@ -8354,7 +8456,7 @@
                                     </p:set>
                                     <p:animEffect transition="in" filter="fade">
                                       <p:cBhvr>
-                                        <p:cTn id="23" dur="500"/>
+                                        <p:cTn id="27" dur="500"/>
                                         <p:tgtEl>
                                           <p:spTgt spid="3">
                                             <p:txEl>
@@ -8475,7 +8577,7 @@
               <a:p>
                 <a:r>
                   <a:rPr lang="en-US" dirty="0"/>
-                  <a:t>However, if there is some individual who is extremely near-sighted, to the degree that they value $1 today just as much as $0.5 tomorrow, </a:t>
+                  <a:t>However, if there is some individual who is extremely near-sighted, to the degree that they value $1 today just as much as $0.6 tomorrow, </a:t>
                 </a:r>
                 <a14:m>
                   <m:oMath xmlns:m="http://schemas.openxmlformats.org/officeDocument/2006/math">
@@ -8489,13 +8591,13 @@
                       <a:rPr lang="en-US" b="0" i="1" smtClean="0">
                         <a:latin typeface="Cambria Math" panose="02040503050406030204" pitchFamily="18" charset="0"/>
                       </a:rPr>
-                      <m:t>=0.5</m:t>
+                      <m:t>=0.</m:t>
                     </m:r>
                   </m:oMath>
                 </a14:m>
                 <a:r>
                   <a:rPr lang="en-US" dirty="0"/>
-                  <a:t>, and…</a:t>
+                  <a:t>6, and…</a:t>
                 </a:r>
               </a:p>
               <a:p>
@@ -8589,7 +8691,13 @@
                                 <a:rPr lang="en-US" b="0" i="1" smtClean="0">
                                   <a:latin typeface="Cambria Math" panose="02040503050406030204" pitchFamily="18" charset="0"/>
                                 </a:rPr>
-                                <m:t>0.5</m:t>
+                                <m:t>0.</m:t>
+                              </m:r>
+                              <m:r>
+                                <a:rPr lang="en-US" b="0" i="1" smtClean="0">
+                                  <a:latin typeface="Cambria Math" panose="02040503050406030204" pitchFamily="18" charset="0"/>
+                                </a:rPr>
+                                <m:t>6</m:t>
                               </m:r>
                             </m:e>
                           </m:d>
@@ -8599,7 +8707,13 @@
                         <a:rPr lang="en-US" b="0" i="1" smtClean="0">
                           <a:latin typeface="Cambria Math" panose="02040503050406030204" pitchFamily="18" charset="0"/>
                         </a:rPr>
-                        <m:t>=20</m:t>
+                        <m:t>=</m:t>
+                      </m:r>
+                      <m:r>
+                        <a:rPr lang="en-US" b="0" i="1" smtClean="0">
+                          <a:latin typeface="Cambria Math" panose="02040503050406030204" pitchFamily="18" charset="0"/>
+                        </a:rPr>
+                        <m:t>25</m:t>
                       </m:r>
                     </m:oMath>
                   </m:oMathPara>
@@ -8662,13 +8776,7 @@
                         <a:rPr lang="en-US" i="1">
                           <a:latin typeface="Cambria Math" panose="02040503050406030204" pitchFamily="18" charset="0"/>
                         </a:rPr>
-                        <m:t>=</m:t>
-                      </m:r>
-                      <m:r>
-                        <a:rPr lang="en-US" i="1">
-                          <a:latin typeface="Cambria Math" panose="02040503050406030204" pitchFamily="18" charset="0"/>
-                        </a:rPr>
-                        <m:t>20+</m:t>
+                        <m:t>=20+</m:t>
                       </m:r>
                       <m:f>
                         <m:fPr>
@@ -8683,7 +8791,25 @@
                             <a:rPr lang="en-US" b="0" i="1" smtClean="0">
                               <a:latin typeface="Cambria Math" panose="02040503050406030204" pitchFamily="18" charset="0"/>
                             </a:rPr>
-                            <m:t>0.5</m:t>
+                            <m:t>5</m:t>
+                          </m:r>
+                          <m:r>
+                            <a:rPr lang="en-US" b="0" i="1" smtClean="0">
+                              <a:latin typeface="Cambria Math" panose="02040503050406030204" pitchFamily="18" charset="0"/>
+                            </a:rPr>
+                            <m:t>⋅</m:t>
+                          </m:r>
+                          <m:r>
+                            <a:rPr lang="en-US" b="0" i="1" smtClean="0">
+                              <a:latin typeface="Cambria Math" panose="02040503050406030204" pitchFamily="18" charset="0"/>
+                            </a:rPr>
+                            <m:t>0.</m:t>
+                          </m:r>
+                          <m:r>
+                            <a:rPr lang="en-US" b="0" i="1" smtClean="0">
+                              <a:latin typeface="Cambria Math" panose="02040503050406030204" pitchFamily="18" charset="0"/>
+                            </a:rPr>
+                            <m:t>6</m:t>
                           </m:r>
                         </m:num>
                         <m:den>
@@ -8706,7 +8832,13 @@
                                 <a:rPr lang="en-US" b="0" i="1" smtClean="0">
                                   <a:latin typeface="Cambria Math" panose="02040503050406030204" pitchFamily="18" charset="0"/>
                                 </a:rPr>
-                                <m:t>0.5</m:t>
+                                <m:t>0.</m:t>
+                              </m:r>
+                              <m:r>
+                                <a:rPr lang="en-US" b="0" i="1" smtClean="0">
+                                  <a:latin typeface="Cambria Math" panose="02040503050406030204" pitchFamily="18" charset="0"/>
+                                </a:rPr>
+                                <m:t>6</m:t>
                               </m:r>
                             </m:e>
                           </m:d>
@@ -8716,7 +8848,13 @@
                         <a:rPr lang="en-US" b="0" i="1" smtClean="0">
                           <a:latin typeface="Cambria Math" panose="02040503050406030204" pitchFamily="18" charset="0"/>
                         </a:rPr>
-                        <m:t>=21</m:t>
+                        <m:t>=</m:t>
+                      </m:r>
+                      <m:r>
+                        <a:rPr lang="en-US" b="0" i="1" smtClean="0">
+                          <a:latin typeface="Cambria Math" panose="02040503050406030204" pitchFamily="18" charset="0"/>
+                        </a:rPr>
+                        <m:t>27.5</m:t>
                       </m:r>
                     </m:oMath>
                   </m:oMathPara>
@@ -8943,15 +9081,33 @@
                                   </p:childTnLst>
                                 </p:cTn>
                               </p:par>
+                            </p:childTnLst>
+                          </p:cTn>
+                        </p:par>
+                      </p:childTnLst>
+                    </p:cTn>
+                  </p:par>
+                  <p:par>
+                    <p:cTn id="8" fill="hold">
+                      <p:stCondLst>
+                        <p:cond delay="indefinite"/>
+                      </p:stCondLst>
+                      <p:childTnLst>
+                        <p:par>
+                          <p:cTn id="9" fill="hold">
+                            <p:stCondLst>
+                              <p:cond delay="0"/>
+                            </p:stCondLst>
+                            <p:childTnLst>
                               <p:par>
-                                <p:cTn id="8" presetID="10" presetClass="entr" presetSubtype="0" fill="hold" nodeType="withEffect">
+                                <p:cTn id="10" presetID="10" presetClass="entr" presetSubtype="0" fill="hold" nodeType="clickEffect">
                                   <p:stCondLst>
                                     <p:cond delay="0"/>
                                   </p:stCondLst>
                                   <p:childTnLst>
                                     <p:set>
                                       <p:cBhvr>
-                                        <p:cTn id="9" dur="1" fill="hold">
+                                        <p:cTn id="11" dur="1" fill="hold">
                                           <p:stCondLst>
                                             <p:cond delay="0"/>
                                           </p:stCondLst>
@@ -8973,7 +9129,7 @@
                                     </p:set>
                                     <p:animEffect transition="in" filter="fade">
                                       <p:cBhvr>
-                                        <p:cTn id="10" dur="500"/>
+                                        <p:cTn id="12" dur="500"/>
                                         <p:tgtEl>
                                           <p:spTgt spid="3">
                                             <p:txEl>
@@ -8986,15 +9142,33 @@
                                   </p:childTnLst>
                                 </p:cTn>
                               </p:par>
+                            </p:childTnLst>
+                          </p:cTn>
+                        </p:par>
+                      </p:childTnLst>
+                    </p:cTn>
+                  </p:par>
+                  <p:par>
+                    <p:cTn id="13" fill="hold">
+                      <p:stCondLst>
+                        <p:cond delay="indefinite"/>
+                      </p:stCondLst>
+                      <p:childTnLst>
+                        <p:par>
+                          <p:cTn id="14" fill="hold">
+                            <p:stCondLst>
+                              <p:cond delay="0"/>
+                            </p:stCondLst>
+                            <p:childTnLst>
                               <p:par>
-                                <p:cTn id="11" presetID="10" presetClass="entr" presetSubtype="0" fill="hold" nodeType="withEffect">
+                                <p:cTn id="15" presetID="10" presetClass="entr" presetSubtype="0" fill="hold" nodeType="clickEffect">
                                   <p:stCondLst>
                                     <p:cond delay="0"/>
                                   </p:stCondLst>
                                   <p:childTnLst>
                                     <p:set>
                                       <p:cBhvr>
-                                        <p:cTn id="12" dur="1" fill="hold">
+                                        <p:cTn id="16" dur="1" fill="hold">
                                           <p:stCondLst>
                                             <p:cond delay="0"/>
                                           </p:stCondLst>
@@ -9016,7 +9190,7 @@
                                     </p:set>
                                     <p:animEffect transition="in" filter="fade">
                                       <p:cBhvr>
-                                        <p:cTn id="13" dur="500"/>
+                                        <p:cTn id="17" dur="500"/>
                                         <p:tgtEl>
                                           <p:spTgt spid="3">
                                             <p:txEl>
@@ -9036,26 +9210,26 @@
                     </p:cTn>
                   </p:par>
                   <p:par>
-                    <p:cTn id="14" fill="hold">
+                    <p:cTn id="18" fill="hold">
                       <p:stCondLst>
                         <p:cond delay="indefinite"/>
                       </p:stCondLst>
                       <p:childTnLst>
                         <p:par>
-                          <p:cTn id="15" fill="hold">
+                          <p:cTn id="19" fill="hold">
                             <p:stCondLst>
                               <p:cond delay="0"/>
                             </p:stCondLst>
                             <p:childTnLst>
                               <p:par>
-                                <p:cTn id="16" presetID="10" presetClass="entr" presetSubtype="0" fill="hold" nodeType="clickEffect">
+                                <p:cTn id="20" presetID="10" presetClass="entr" presetSubtype="0" fill="hold" nodeType="clickEffect">
                                   <p:stCondLst>
                                     <p:cond delay="0"/>
                                   </p:stCondLst>
                                   <p:childTnLst>
                                     <p:set>
                                       <p:cBhvr>
-                                        <p:cTn id="17" dur="1" fill="hold">
+                                        <p:cTn id="21" dur="1" fill="hold">
                                           <p:stCondLst>
                                             <p:cond delay="0"/>
                                           </p:stCondLst>
@@ -9077,7 +9251,7 @@
                                     </p:set>
                                     <p:animEffect transition="in" filter="fade">
                                       <p:cBhvr>
-                                        <p:cTn id="18" dur="500"/>
+                                        <p:cTn id="22" dur="500"/>
                                         <p:tgtEl>
                                           <p:spTgt spid="3">
                                             <p:txEl>
@@ -9594,8 +9768,8 @@
           </a:p>
         </p:txBody>
       </p:sp>
-      <mc:AlternateContent xmlns:mc="http://schemas.openxmlformats.org/markup-compatibility/2006">
-        <mc:Choice xmlns:a14="http://schemas.microsoft.com/office/drawing/2010/main" Requires="a14">
+      <mc:AlternateContent xmlns:mc="http://schemas.openxmlformats.org/markup-compatibility/2006" xmlns:a14="http://schemas.microsoft.com/office/drawing/2010/main">
+        <mc:Choice Requires="a14">
           <p:sp>
             <p:nvSpPr>
               <p:cNvPr id="3" name="Content Placeholder 2">
@@ -9892,7 +10066,7 @@
             </p:txBody>
           </p:sp>
         </mc:Choice>
-        <mc:Fallback>
+        <mc:Fallback xmlns="">
           <p:sp>
             <p:nvSpPr>
               <p:cNvPr id="3" name="Content Placeholder 2">
@@ -11619,8 +11793,8 @@
           </a:p>
         </p:txBody>
       </p:sp>
-      <mc:AlternateContent xmlns:mc="http://schemas.openxmlformats.org/markup-compatibility/2006">
-        <mc:Choice xmlns:a14="http://schemas.microsoft.com/office/drawing/2010/main" Requires="a14">
+      <mc:AlternateContent xmlns:mc="http://schemas.openxmlformats.org/markup-compatibility/2006" xmlns:a14="http://schemas.microsoft.com/office/drawing/2010/main">
+        <mc:Choice Requires="a14">
           <p:sp>
             <p:nvSpPr>
               <p:cNvPr id="3" name="Content Placeholder 2">
@@ -11686,7 +11860,7 @@
             </p:txBody>
           </p:sp>
         </mc:Choice>
-        <mc:Fallback>
+        <mc:Fallback xmlns="">
           <p:sp>
             <p:nvSpPr>
               <p:cNvPr id="3" name="Content Placeholder 2">
@@ -12008,8 +12182,8 @@
           </a:p>
         </p:txBody>
       </p:sp>
-      <mc:AlternateContent xmlns:mc="http://schemas.openxmlformats.org/markup-compatibility/2006">
-        <mc:Choice xmlns:a14="http://schemas.microsoft.com/office/drawing/2010/main" Requires="a14">
+      <mc:AlternateContent xmlns:mc="http://schemas.openxmlformats.org/markup-compatibility/2006" xmlns:a14="http://schemas.microsoft.com/office/drawing/2010/main">
+        <mc:Choice Requires="a14">
           <p:sp>
             <p:nvSpPr>
               <p:cNvPr id="3" name="Content Placeholder 2">
@@ -12075,7 +12249,7 @@
             </p:txBody>
           </p:sp>
         </mc:Choice>
-        <mc:Fallback>
+        <mc:Fallback xmlns="">
           <p:sp>
             <p:nvSpPr>
               <p:cNvPr id="3" name="Content Placeholder 2">
@@ -12397,8 +12571,8 @@
           </a:p>
         </p:txBody>
       </p:sp>
-      <mc:AlternateContent xmlns:mc="http://schemas.openxmlformats.org/markup-compatibility/2006">
-        <mc:Choice xmlns:a14="http://schemas.microsoft.com/office/drawing/2010/main" Requires="a14">
+      <mc:AlternateContent xmlns:mc="http://schemas.openxmlformats.org/markup-compatibility/2006" xmlns:a14="http://schemas.microsoft.com/office/drawing/2010/main">
+        <mc:Choice Requires="a14">
           <p:sp>
             <p:nvSpPr>
               <p:cNvPr id="3" name="Content Placeholder 2">
@@ -12512,7 +12686,7 @@
             </p:txBody>
           </p:sp>
         </mc:Choice>
-        <mc:Fallback>
+        <mc:Fallback xmlns="">
           <p:sp>
             <p:nvSpPr>
               <p:cNvPr id="3" name="Content Placeholder 2">
@@ -12834,8 +13008,8 @@
           </a:p>
         </p:txBody>
       </p:sp>
-      <mc:AlternateContent xmlns:mc="http://schemas.openxmlformats.org/markup-compatibility/2006">
-        <mc:Choice xmlns:a14="http://schemas.microsoft.com/office/drawing/2010/main" Requires="a14">
+      <mc:AlternateContent xmlns:mc="http://schemas.openxmlformats.org/markup-compatibility/2006" xmlns:a14="http://schemas.microsoft.com/office/drawing/2010/main">
+        <mc:Choice Requires="a14">
           <p:sp>
             <p:nvSpPr>
               <p:cNvPr id="3" name="Content Placeholder 2">
@@ -12943,7 +13117,7 @@
             </p:txBody>
           </p:sp>
         </mc:Choice>
-        <mc:Fallback>
+        <mc:Fallback xmlns="">
           <p:sp>
             <p:nvSpPr>
               <p:cNvPr id="3" name="Content Placeholder 2">
@@ -13265,8 +13439,8 @@
           </a:p>
         </p:txBody>
       </p:sp>
-      <mc:AlternateContent xmlns:mc="http://schemas.openxmlformats.org/markup-compatibility/2006">
-        <mc:Choice xmlns:a14="http://schemas.microsoft.com/office/drawing/2010/main" Requires="a14">
+      <mc:AlternateContent xmlns:mc="http://schemas.openxmlformats.org/markup-compatibility/2006" xmlns:a14="http://schemas.microsoft.com/office/drawing/2010/main">
+        <mc:Choice Requires="a14">
           <p:sp>
             <p:nvSpPr>
               <p:cNvPr id="3" name="Content Placeholder 2">
@@ -13354,7 +13528,7 @@
             </p:txBody>
           </p:sp>
         </mc:Choice>
-        <mc:Fallback>
+        <mc:Fallback xmlns="">
           <p:sp>
             <p:nvSpPr>
               <p:cNvPr id="3" name="Content Placeholder 2">
@@ -14029,8 +14203,8 @@
           </a:p>
         </p:txBody>
       </p:sp>
-      <mc:AlternateContent xmlns:mc="http://schemas.openxmlformats.org/markup-compatibility/2006">
-        <mc:Choice xmlns:a14="http://schemas.microsoft.com/office/drawing/2010/main" Requires="a14">
+      <mc:AlternateContent xmlns:mc="http://schemas.openxmlformats.org/markup-compatibility/2006" xmlns:a14="http://schemas.microsoft.com/office/drawing/2010/main">
+        <mc:Choice Requires="a14">
           <p:sp>
             <p:nvSpPr>
               <p:cNvPr id="3" name="Content Placeholder 2">
@@ -14192,7 +14366,7 @@
             </p:txBody>
           </p:sp>
         </mc:Choice>
-        <mc:Fallback>
+        <mc:Fallback xmlns="">
           <p:sp>
             <p:nvSpPr>
               <p:cNvPr id="3" name="Content Placeholder 2">
@@ -14377,6 +14551,9 @@
                     <p:cTn id="3" fill="hold">
                       <p:stCondLst>
                         <p:cond delay="indefinite"/>
+                        <p:cond evt="onBegin" delay="0">
+                          <p:tn val="2"/>
+                        </p:cond>
                       </p:stCondLst>
                       <p:childTnLst>
                         <p:par>
@@ -14386,7 +14563,7 @@
                             </p:stCondLst>
                             <p:childTnLst>
                               <p:par>
-                                <p:cTn id="5" presetID="10" presetClass="entr" presetSubtype="0" fill="hold" nodeType="clickEffect">
+                                <p:cTn id="5" presetID="10" presetClass="entr" presetSubtype="0" fill="hold" nodeType="withEffect">
                                   <p:stCondLst>
                                     <p:cond delay="0"/>
                                   </p:stCondLst>
@@ -15224,8 +15401,8 @@
           </a:p>
         </p:txBody>
       </p:sp>
-      <mc:AlternateContent xmlns:mc="http://schemas.openxmlformats.org/markup-compatibility/2006">
-        <mc:Choice xmlns:a14="http://schemas.microsoft.com/office/drawing/2010/main" Requires="a14">
+      <mc:AlternateContent xmlns:mc="http://schemas.openxmlformats.org/markup-compatibility/2006" xmlns:a14="http://schemas.microsoft.com/office/drawing/2010/main">
+        <mc:Choice Requires="a14">
           <p:sp>
             <p:nvSpPr>
               <p:cNvPr id="3" name="Content Placeholder 2">
@@ -15356,7 +15533,7 @@
             </p:txBody>
           </p:sp>
         </mc:Choice>
-        <mc:Fallback>
+        <mc:Fallback xmlns="">
           <p:sp>
             <p:nvSpPr>
               <p:cNvPr id="3" name="Content Placeholder 2">
@@ -16197,8 +16374,8 @@
           </a:p>
         </p:txBody>
       </p:sp>
-      <mc:AlternateContent xmlns:mc="http://schemas.openxmlformats.org/markup-compatibility/2006">
-        <mc:Choice xmlns:a14="http://schemas.microsoft.com/office/drawing/2010/main" Requires="a14">
+      <mc:AlternateContent xmlns:mc="http://schemas.openxmlformats.org/markup-compatibility/2006" xmlns:a14="http://schemas.microsoft.com/office/drawing/2010/main">
+        <mc:Choice Requires="a14">
           <p:sp>
             <p:nvSpPr>
               <p:cNvPr id="3" name="Content Placeholder 2">
@@ -16348,7 +16525,7 @@
             </p:txBody>
           </p:sp>
         </mc:Choice>
-        <mc:Fallback>
+        <mc:Fallback xmlns="">
           <p:sp>
             <p:nvSpPr>
               <p:cNvPr id="3" name="Content Placeholder 2">
@@ -17192,8 +17369,8 @@
           </a:p>
         </p:txBody>
       </p:sp>
-      <mc:AlternateContent xmlns:mc="http://schemas.openxmlformats.org/markup-compatibility/2006">
-        <mc:Choice xmlns:a14="http://schemas.microsoft.com/office/drawing/2010/main" Requires="a14">
+      <mc:AlternateContent xmlns:mc="http://schemas.openxmlformats.org/markup-compatibility/2006" xmlns:a14="http://schemas.microsoft.com/office/drawing/2010/main">
+        <mc:Choice Requires="a14">
           <p:sp>
             <p:nvSpPr>
               <p:cNvPr id="4" name="Content Placeholder 3">
@@ -17264,7 +17441,7 @@
             </p:txBody>
           </p:sp>
         </mc:Choice>
-        <mc:Fallback>
+        <mc:Fallback xmlns="">
           <p:sp>
             <p:nvSpPr>
               <p:cNvPr id="4" name="Content Placeholder 3">
@@ -18249,8 +18426,8 @@
           </a:p>
         </p:txBody>
       </p:sp>
-      <mc:AlternateContent xmlns:mc="http://schemas.openxmlformats.org/markup-compatibility/2006">
-        <mc:Choice xmlns:a14="http://schemas.microsoft.com/office/drawing/2010/main" Requires="a14">
+      <mc:AlternateContent xmlns:mc="http://schemas.openxmlformats.org/markup-compatibility/2006" xmlns:a14="http://schemas.microsoft.com/office/drawing/2010/main">
+        <mc:Choice Requires="a14">
           <p:sp>
             <p:nvSpPr>
               <p:cNvPr id="4" name="Content Placeholder 3">
@@ -18365,7 +18542,7 @@
             </p:txBody>
           </p:sp>
         </mc:Choice>
-        <mc:Fallback>
+        <mc:Fallback xmlns="">
           <p:sp>
             <p:nvSpPr>
               <p:cNvPr id="4" name="Content Placeholder 3">
